--- a/Capstone Preso_Rahul_final.pptx
+++ b/Capstone Preso_Rahul_final.pptx
@@ -257,7 +257,7 @@
           <a:p>
             <a:fld id="{860B9589-88D3-4837-A35C-BF0933E0E0D7}" type="datetimeFigureOut">
               <a:rPr lang="en-US" smtClean="0"/>
-              <a:t>12/14/2016</a:t>
+              <a:t>1/18/2017</a:t>
             </a:fld>
             <a:endParaRPr lang="en-US"/>
           </a:p>
@@ -427,7 +427,7 @@
           <a:p>
             <a:fld id="{860B9589-88D3-4837-A35C-BF0933E0E0D7}" type="datetimeFigureOut">
               <a:rPr lang="en-US" smtClean="0"/>
-              <a:t>12/14/2016</a:t>
+              <a:t>1/18/2017</a:t>
             </a:fld>
             <a:endParaRPr lang="en-US"/>
           </a:p>
@@ -607,7 +607,7 @@
           <a:p>
             <a:fld id="{860B9589-88D3-4837-A35C-BF0933E0E0D7}" type="datetimeFigureOut">
               <a:rPr lang="en-US" smtClean="0"/>
-              <a:t>12/14/2016</a:t>
+              <a:t>1/18/2017</a:t>
             </a:fld>
             <a:endParaRPr lang="en-US"/>
           </a:p>
@@ -777,7 +777,7 @@
           <a:p>
             <a:fld id="{860B9589-88D3-4837-A35C-BF0933E0E0D7}" type="datetimeFigureOut">
               <a:rPr lang="en-US" smtClean="0"/>
-              <a:t>12/14/2016</a:t>
+              <a:t>1/18/2017</a:t>
             </a:fld>
             <a:endParaRPr lang="en-US"/>
           </a:p>
@@ -1023,7 +1023,7 @@
           <a:p>
             <a:fld id="{860B9589-88D3-4837-A35C-BF0933E0E0D7}" type="datetimeFigureOut">
               <a:rPr lang="en-US" smtClean="0"/>
-              <a:t>12/14/2016</a:t>
+              <a:t>1/18/2017</a:t>
             </a:fld>
             <a:endParaRPr lang="en-US"/>
           </a:p>
@@ -1255,7 +1255,7 @@
           <a:p>
             <a:fld id="{860B9589-88D3-4837-A35C-BF0933E0E0D7}" type="datetimeFigureOut">
               <a:rPr lang="en-US" smtClean="0"/>
-              <a:t>12/14/2016</a:t>
+              <a:t>1/18/2017</a:t>
             </a:fld>
             <a:endParaRPr lang="en-US"/>
           </a:p>
@@ -1622,7 +1622,7 @@
           <a:p>
             <a:fld id="{860B9589-88D3-4837-A35C-BF0933E0E0D7}" type="datetimeFigureOut">
               <a:rPr lang="en-US" smtClean="0"/>
-              <a:t>12/14/2016</a:t>
+              <a:t>1/18/2017</a:t>
             </a:fld>
             <a:endParaRPr lang="en-US"/>
           </a:p>
@@ -1740,7 +1740,7 @@
           <a:p>
             <a:fld id="{860B9589-88D3-4837-A35C-BF0933E0E0D7}" type="datetimeFigureOut">
               <a:rPr lang="en-US" smtClean="0"/>
-              <a:t>12/14/2016</a:t>
+              <a:t>1/18/2017</a:t>
             </a:fld>
             <a:endParaRPr lang="en-US"/>
           </a:p>
@@ -1835,7 +1835,7 @@
           <a:p>
             <a:fld id="{860B9589-88D3-4837-A35C-BF0933E0E0D7}" type="datetimeFigureOut">
               <a:rPr lang="en-US" smtClean="0"/>
-              <a:t>12/14/2016</a:t>
+              <a:t>1/18/2017</a:t>
             </a:fld>
             <a:endParaRPr lang="en-US"/>
           </a:p>
@@ -2112,7 +2112,7 @@
           <a:p>
             <a:fld id="{860B9589-88D3-4837-A35C-BF0933E0E0D7}" type="datetimeFigureOut">
               <a:rPr lang="en-US" smtClean="0"/>
-              <a:t>12/14/2016</a:t>
+              <a:t>1/18/2017</a:t>
             </a:fld>
             <a:endParaRPr lang="en-US"/>
           </a:p>
@@ -2369,7 +2369,7 @@
           <a:p>
             <a:fld id="{860B9589-88D3-4837-A35C-BF0933E0E0D7}" type="datetimeFigureOut">
               <a:rPr lang="en-US" smtClean="0"/>
-              <a:t>12/14/2016</a:t>
+              <a:t>1/18/2017</a:t>
             </a:fld>
             <a:endParaRPr lang="en-US"/>
           </a:p>
@@ -2582,7 +2582,7 @@
           <a:p>
             <a:fld id="{860B9589-88D3-4837-A35C-BF0933E0E0D7}" type="datetimeFigureOut">
               <a:rPr lang="en-US" smtClean="0"/>
-              <a:t>12/14/2016</a:t>
+              <a:t>1/18/2017</a:t>
             </a:fld>
             <a:endParaRPr lang="en-US"/>
           </a:p>
@@ -3922,7 +3922,7 @@
         <p:spPr>
           <a:xfrm>
             <a:off x="61621" y="1279446"/>
-            <a:ext cx="10602454" cy="1477328"/>
+            <a:ext cx="10655353" cy="1200329"/>
           </a:xfrm>
           <a:prstGeom prst="rect">
             <a:avLst/>
@@ -3940,17 +3940,7 @@
             </a:pPr>
             <a:r>
               <a:rPr lang="en-US" dirty="0" smtClean="0"/>
-              <a:t>Train Data set had 70+ million observations</a:t>
-            </a:r>
-          </a:p>
-          <a:p>
-            <a:pPr marL="285750" indent="-285750">
-              <a:buFont typeface="Arial" panose="020B0604020202020204" pitchFamily="34" charset="0"/>
-              <a:buChar char="•"/>
-            </a:pPr>
-            <a:r>
-              <a:rPr lang="en-US" dirty="0" smtClean="0"/>
-              <a:t>Due to memory limitations of the PC, could not load the complete dataset in R</a:t>
+              <a:t>Train Data set had 70+ million observations out of which 900K observations were used.</a:t>
             </a:r>
           </a:p>
           <a:p>
@@ -4063,17 +4053,8 @@
           <a:p>
             <a:r>
               <a:rPr lang="en-US" dirty="0" smtClean="0"/>
-              <a:t>The Model was </a:t>
-            </a:r>
-            <a:r>
-              <a:rPr lang="en-US" dirty="0" smtClean="0"/>
-              <a:t>tested with Validation</a:t>
-            </a:r>
-            <a:r>
-              <a:rPr lang="en-US" dirty="0" smtClean="0"/>
-              <a:t> Data set, unseen by the model</a:t>
-            </a:r>
-            <a:endParaRPr lang="en-US" dirty="0" smtClean="0"/>
+              <a:t>The Model was tested with Validation Data set, unseen by the model</a:t>
+            </a:r>
           </a:p>
           <a:p>
             <a:pPr lvl="1"/>
@@ -4083,29 +4064,34 @@
             </a:r>
             <a:r>
               <a:rPr lang="en-US" dirty="0" smtClean="0"/>
-              <a:t> = </a:t>
-            </a:r>
+              <a:t> = 0.83</a:t>
+            </a:r>
+          </a:p>
+          <a:p>
+            <a:pPr lvl="1"/>
             <a:r>
               <a:rPr lang="en-US" dirty="0" smtClean="0"/>
-              <a:t>0.83</a:t>
-            </a:r>
-            <a:endParaRPr lang="en-US" dirty="0" smtClean="0"/>
-          </a:p>
-          <a:p>
-            <a:pPr lvl="1"/>
+              <a:t>RMSLE = 1.3955</a:t>
+            </a:r>
+          </a:p>
+          <a:p>
             <a:r>
               <a:rPr lang="en-US" dirty="0" smtClean="0"/>
-              <a:t>RMSLE </a:t>
-            </a:r>
+              <a:t>Demands can vary anytime, additional observations will help understand demand variability and improve Model Performance. </a:t>
+            </a:r>
+          </a:p>
+          <a:p>
             <a:r>
               <a:rPr lang="en-US" dirty="0" smtClean="0"/>
-              <a:t>= </a:t>
-            </a:r>
+              <a:t>Appropriate inventory of High Demand Products can be stored using the Model’s Prediction.</a:t>
+            </a:r>
+          </a:p>
+          <a:p>
             <a:r>
               <a:rPr lang="en-US" dirty="0" smtClean="0"/>
-              <a:t>1.3955</a:t>
-            </a:r>
-            <a:endParaRPr lang="en-US" dirty="0" smtClean="0"/>
+              <a:t>Marketing Team can use the Model to identify Products predicted to have low demand or no demand at all and build Promotion campaigns for them. </a:t>
+            </a:r>
+            <a:endParaRPr lang="en-US" dirty="0"/>
           </a:p>
         </p:txBody>
       </p:sp>
@@ -4338,24 +4324,15 @@
           <a:p>
             <a:pPr lvl="0"/>
             <a:r>
-              <a:rPr lang="en-US" sz="2000" dirty="0"/>
+              <a:rPr lang="en-US" sz="2200" dirty="0"/>
               <a:t>Develop a model to accurately forecast inventory demand based on historical sales data.</a:t>
             </a:r>
-            <a:endParaRPr lang="en-US" sz="2000" u="none" strike="noStrike" dirty="0" smtClean="0">
-              <a:effectLst/>
-            </a:endParaRPr>
           </a:p>
           <a:p>
             <a:pPr lvl="0"/>
             <a:r>
-              <a:rPr lang="en-US" sz="2000" dirty="0"/>
-              <a:t>Maximize sales and minimize returns of bakery goods</a:t>
-            </a:r>
-            <a:r>
-              <a:rPr lang="en-US" sz="2000" u="none" strike="noStrike" dirty="0" smtClean="0">
-                <a:effectLst/>
-              </a:rPr>
-              <a:t>.</a:t>
+              <a:rPr lang="en-US" sz="2200" dirty="0"/>
+              <a:t>Maximize sales and minimize returns of bakery goods.</a:t>
             </a:r>
           </a:p>
           <a:p>
